--- a/mvc/Développer des sites web avec ASP.pptx
+++ b/mvc/Développer des sites web avec ASP.pptx
@@ -5,7 +5,7 @@
     <p:sldMasterId id="2147483648" r:id="rId1"/>
   </p:sldMasterIdLst>
   <p:notesMasterIdLst>
-    <p:notesMasterId r:id="rId140"/>
+    <p:notesMasterId r:id="rId141"/>
   </p:notesMasterIdLst>
   <p:sldIdLst>
     <p:sldId id="256" r:id="rId2"/>
@@ -141,11 +141,12 @@
     <p:sldId id="401" r:id="rId132"/>
     <p:sldId id="400" r:id="rId133"/>
     <p:sldId id="388" r:id="rId134"/>
-    <p:sldId id="385" r:id="rId135"/>
-    <p:sldId id="386" r:id="rId136"/>
-    <p:sldId id="387" r:id="rId137"/>
-    <p:sldId id="383" r:id="rId138"/>
-    <p:sldId id="295" r:id="rId139"/>
+    <p:sldId id="416" r:id="rId135"/>
+    <p:sldId id="385" r:id="rId136"/>
+    <p:sldId id="386" r:id="rId137"/>
+    <p:sldId id="387" r:id="rId138"/>
+    <p:sldId id="383" r:id="rId139"/>
+    <p:sldId id="295" r:id="rId140"/>
   </p:sldIdLst>
   <p:sldSz cx="12192000" cy="6858000"/>
   <p:notesSz cx="6858000" cy="9144000"/>
@@ -19919,7 +19920,9 @@
         </p:nvSpPr>
         <p:spPr/>
         <p:txBody>
-          <a:bodyPr/>
+          <a:bodyPr>
+            <a:normAutofit fontScale="92500" lnSpcReduction="10000"/>
+          </a:bodyPr>
           <a:lstStyle/>
           <a:p>
             <a:r>
@@ -19971,8 +19974,19 @@
             </a:r>
             <a:r>
               <a:rPr lang="fr-FR" dirty="0" smtClean="0"/>
-              <a:t> à un user</a:t>
-            </a:r>
+              <a:t> à un </a:t>
+            </a:r>
+            <a:r>
+              <a:rPr lang="fr-FR" dirty="0" smtClean="0"/>
+              <a:t>user</a:t>
+            </a:r>
+          </a:p>
+          <a:p>
+            <a:r>
+              <a:rPr lang="fr-FR" dirty="0" smtClean="0"/>
+              <a:t>Dans une seconde page lister tous les avis d'un user et pouvoir supprimer un avis si besoin</a:t>
+            </a:r>
+            <a:endParaRPr lang="fr-FR" dirty="0" smtClean="0"/>
           </a:p>
           <a:p>
             <a:endParaRPr lang="fr-FR" dirty="0" smtClean="0"/>
@@ -20820,7 +20834,15 @@
           <a:p>
             <a:r>
               <a:rPr lang="fr-FR" b="1" dirty="0" smtClean="0"/>
-              <a:t>Implémenter un filtre qui log dans un fichier chaque appel d’action</a:t>
+              <a:t>Implémenter un filtre qui log </a:t>
+            </a:r>
+            <a:r>
+              <a:rPr lang="fr-FR" b="1" dirty="0" smtClean="0"/>
+              <a:t>dans un fichier  ou en base chaque </a:t>
+            </a:r>
+            <a:r>
+              <a:rPr lang="fr-FR" b="1" dirty="0" smtClean="0"/>
+              <a:t>appel d’action</a:t>
             </a:r>
           </a:p>
           <a:p>
@@ -21477,7 +21499,7 @@
         <p:spPr/>
         <p:txBody>
           <a:bodyPr>
-            <a:normAutofit fontScale="92500" lnSpcReduction="20000"/>
+            <a:normAutofit fontScale="92500" lnSpcReduction="10000"/>
           </a:bodyPr>
           <a:lstStyle/>
           <a:p>
@@ -21534,14 +21556,11 @@
             <a:pPr lvl="1"/>
             <a:r>
               <a:rPr lang="fr-FR" dirty="0" smtClean="0"/>
-              <a:t>Peu ergonomique</a:t>
-            </a:r>
-          </a:p>
-          <a:p>
-            <a:pPr lvl="1"/>
-            <a:r>
-              <a:rPr lang="fr-FR" dirty="0" smtClean="0"/>
-              <a:t>Absolument illisible et non maintenable</a:t>
+              <a:t>Absolument </a:t>
+            </a:r>
+            <a:r>
+              <a:rPr lang="fr-FR" dirty="0" smtClean="0"/>
+              <a:t>illisible et non maintenable</a:t>
             </a:r>
           </a:p>
           <a:p>
@@ -22924,7 +22943,7 @@
             <a:spLocks noGrp="1"/>
           </p:cNvSpPr>
           <p:nvPr>
-            <p:ph type="ctrTitle"/>
+            <p:ph type="title"/>
           </p:nvPr>
         </p:nvSpPr>
         <p:spPr/>
@@ -22934,7 +22953,7 @@
           <a:p>
             <a:r>
               <a:rPr lang="fr-FR" dirty="0" smtClean="0"/>
-              <a:t>Concepts avancés</a:t>
+              <a:t>Comparatif</a:t>
             </a:r>
             <a:endParaRPr lang="fr-FR" dirty="0"/>
           </a:p>
@@ -22942,27 +22961,103 @@
       </p:sp>
       <p:sp>
         <p:nvSpPr>
-          <p:cNvPr id="3" name="Sous-titre 2"/>
+          <p:cNvPr id="3" name="Espace réservé du contenu 2"/>
           <p:cNvSpPr>
             <a:spLocks noGrp="1"/>
           </p:cNvSpPr>
           <p:nvPr>
-            <p:ph type="subTitle" idx="1"/>
-          </p:nvPr>
-        </p:nvSpPr>
-        <p:spPr/>
+            <p:ph idx="1"/>
+          </p:nvPr>
+        </p:nvSpPr>
+        <p:spPr>
+          <a:xfrm>
+            <a:off x="1154954" y="2603499"/>
+            <a:ext cx="9678950" cy="4017219"/>
+          </a:xfrm>
+        </p:spPr>
         <p:txBody>
           <a:bodyPr/>
           <a:lstStyle/>
           <a:p>
-            <a:endParaRPr lang="fr-FR"/>
+            <a:pPr marL="0" indent="0">
+              <a:buNone/>
+            </a:pPr>
+            <a:r>
+              <a:rPr lang="fr-FR" b="1" dirty="0" err="1" smtClean="0"/>
+              <a:t>Hebergement</a:t>
+            </a:r>
+            <a:r>
+              <a:rPr lang="fr-FR" b="1" dirty="0" smtClean="0"/>
+              <a:t> mutualisé</a:t>
+            </a:r>
+          </a:p>
+          <a:p>
+            <a:r>
+              <a:rPr lang="fr-FR" dirty="0" smtClean="0"/>
+              <a:t>Pas cher 30€/an</a:t>
+            </a:r>
+          </a:p>
+          <a:p>
+            <a:r>
+              <a:rPr lang="fr-FR" dirty="0" smtClean="0"/>
+              <a:t>1 nom de domaine inclus + 3-4 boites emails incluses</a:t>
+            </a:r>
+          </a:p>
+          <a:p>
+            <a:endParaRPr lang="fr-FR" dirty="0"/>
+          </a:p>
+          <a:p>
+            <a:pPr marL="0" indent="0">
+              <a:buNone/>
+            </a:pPr>
+            <a:r>
+              <a:rPr lang="fr-FR" b="1" dirty="0" smtClean="0"/>
+              <a:t>VPS </a:t>
+            </a:r>
+          </a:p>
+          <a:p>
+            <a:r>
+              <a:rPr lang="fr-FR" dirty="0" smtClean="0"/>
+              <a:t>Taches planifiées  </a:t>
+            </a:r>
+          </a:p>
+          <a:p>
+            <a:r>
+              <a:rPr lang="fr-FR" dirty="0" smtClean="0"/>
+              <a:t>Serveur SMTP</a:t>
+            </a:r>
+          </a:p>
+          <a:p>
+            <a:r>
+              <a:rPr lang="fr-FR" dirty="0" smtClean="0"/>
+              <a:t>Performance </a:t>
+            </a:r>
+          </a:p>
+          <a:p>
+            <a:r>
+              <a:rPr lang="fr-FR" dirty="0" smtClean="0"/>
+              <a:t>Un peu plus cher (20€/mois)</a:t>
+            </a:r>
+          </a:p>
+          <a:p>
+            <a:r>
+              <a:rPr lang="fr-FR" dirty="0" err="1" smtClean="0"/>
+              <a:t>Sécurite</a:t>
+            </a:r>
+            <a:r>
+              <a:rPr lang="fr-FR" dirty="0" smtClean="0"/>
+              <a:t> pas partagée</a:t>
+            </a:r>
+          </a:p>
+          <a:p>
+            <a:endParaRPr lang="fr-FR" dirty="0"/>
           </a:p>
         </p:txBody>
       </p:sp>
     </p:spTree>
     <p:extLst>
       <p:ext uri="{BB962C8B-B14F-4D97-AF65-F5344CB8AC3E}">
-        <p14:creationId xmlns:p14="http://schemas.microsoft.com/office/powerpoint/2010/main" val="1569420892"/>
+        <p14:creationId xmlns:p14="http://schemas.microsoft.com/office/powerpoint/2010/main" val="1842636876"/>
       </p:ext>
     </p:extLst>
   </p:cSld>
@@ -23003,7 +23098,7 @@
             <a:spLocks noGrp="1"/>
           </p:cNvSpPr>
           <p:nvPr>
-            <p:ph type="title"/>
+            <p:ph type="ctrTitle"/>
           </p:nvPr>
         </p:nvSpPr>
         <p:spPr/>
@@ -23013,7 +23108,7 @@
           <a:p>
             <a:r>
               <a:rPr lang="fr-FR" dirty="0" smtClean="0"/>
-              <a:t>Cacher les vues rendues</a:t>
+              <a:t>Concepts avancés</a:t>
             </a:r>
             <a:endParaRPr lang="fr-FR" dirty="0"/>
           </a:p>
@@ -23021,12 +23116,12 @@
       </p:sp>
       <p:sp>
         <p:nvSpPr>
-          <p:cNvPr id="3" name="Espace réservé du contenu 2"/>
+          <p:cNvPr id="3" name="Sous-titre 2"/>
           <p:cNvSpPr>
             <a:spLocks noGrp="1"/>
           </p:cNvSpPr>
           <p:nvPr>
-            <p:ph idx="1"/>
+            <p:ph type="subTitle" idx="1"/>
           </p:nvPr>
         </p:nvSpPr>
         <p:spPr/>
@@ -23034,14 +23129,14 @@
           <a:bodyPr/>
           <a:lstStyle/>
           <a:p>
-            <a:endParaRPr lang="fr-FR" dirty="0"/>
+            <a:endParaRPr lang="fr-FR"/>
           </a:p>
         </p:txBody>
       </p:sp>
     </p:spTree>
     <p:extLst>
       <p:ext uri="{BB962C8B-B14F-4D97-AF65-F5344CB8AC3E}">
-        <p14:creationId xmlns:p14="http://schemas.microsoft.com/office/powerpoint/2010/main" val="1015787401"/>
+        <p14:creationId xmlns:p14="http://schemas.microsoft.com/office/powerpoint/2010/main" val="1569420892"/>
       </p:ext>
     </p:extLst>
   </p:cSld>
@@ -23092,7 +23187,7 @@
           <a:p>
             <a:r>
               <a:rPr lang="fr-FR" dirty="0" smtClean="0"/>
-              <a:t>Performance: améliorations Front End</a:t>
+              <a:t>Cacher les vues rendues</a:t>
             </a:r>
             <a:endParaRPr lang="fr-FR" dirty="0"/>
           </a:p>
@@ -23120,7 +23215,7 @@
     </p:spTree>
     <p:extLst>
       <p:ext uri="{BB962C8B-B14F-4D97-AF65-F5344CB8AC3E}">
-        <p14:creationId xmlns:p14="http://schemas.microsoft.com/office/powerpoint/2010/main" val="657733199"/>
+        <p14:creationId xmlns:p14="http://schemas.microsoft.com/office/powerpoint/2010/main" val="1015787401"/>
       </p:ext>
     </p:extLst>
   </p:cSld>
@@ -23169,6 +23264,85 @@
           <a:bodyPr/>
           <a:lstStyle/>
           <a:p>
+            <a:r>
+              <a:rPr lang="fr-FR" dirty="0" smtClean="0"/>
+              <a:t>Performance: améliorations Front End</a:t>
+            </a:r>
+            <a:endParaRPr lang="fr-FR" dirty="0"/>
+          </a:p>
+        </p:txBody>
+      </p:sp>
+      <p:sp>
+        <p:nvSpPr>
+          <p:cNvPr id="3" name="Espace réservé du contenu 2"/>
+          <p:cNvSpPr>
+            <a:spLocks noGrp="1"/>
+          </p:cNvSpPr>
+          <p:nvPr>
+            <p:ph idx="1"/>
+          </p:nvPr>
+        </p:nvSpPr>
+        <p:spPr/>
+        <p:txBody>
+          <a:bodyPr/>
+          <a:lstStyle/>
+          <a:p>
+            <a:endParaRPr lang="fr-FR" dirty="0"/>
+          </a:p>
+        </p:txBody>
+      </p:sp>
+    </p:spTree>
+    <p:extLst>
+      <p:ext uri="{BB962C8B-B14F-4D97-AF65-F5344CB8AC3E}">
+        <p14:creationId xmlns:p14="http://schemas.microsoft.com/office/powerpoint/2010/main" val="657733199"/>
+      </p:ext>
+    </p:extLst>
+  </p:cSld>
+  <p:clrMapOvr>
+    <a:masterClrMapping/>
+  </p:clrMapOvr>
+  <p:timing>
+    <p:tnLst>
+      <p:par>
+        <p:cTn id="1" dur="indefinite" restart="never" nodeType="tmRoot"/>
+      </p:par>
+    </p:tnLst>
+  </p:timing>
+</p:sld>
+</file>
+
+<file path=ppt/slides/slide138.xml><?xml version="1.0" encoding="utf-8"?>
+<p:sld xmlns:a="http://schemas.openxmlformats.org/drawingml/2006/main" xmlns:r="http://schemas.openxmlformats.org/officeDocument/2006/relationships" xmlns:p="http://schemas.openxmlformats.org/presentationml/2006/main">
+  <p:cSld>
+    <p:spTree>
+      <p:nvGrpSpPr>
+        <p:cNvPr id="1" name=""/>
+        <p:cNvGrpSpPr/>
+        <p:nvPr/>
+      </p:nvGrpSpPr>
+      <p:grpSpPr>
+        <a:xfrm>
+          <a:off x="0" y="0"/>
+          <a:ext cx="0" cy="0"/>
+          <a:chOff x="0" y="0"/>
+          <a:chExt cx="0" cy="0"/>
+        </a:xfrm>
+      </p:grpSpPr>
+      <p:sp>
+        <p:nvSpPr>
+          <p:cNvPr id="2" name="Titre 1"/>
+          <p:cNvSpPr>
+            <a:spLocks noGrp="1"/>
+          </p:cNvSpPr>
+          <p:nvPr>
+            <p:ph type="title"/>
+          </p:nvPr>
+        </p:nvSpPr>
+        <p:spPr/>
+        <p:txBody>
+          <a:bodyPr/>
+          <a:lstStyle/>
+          <a:p>
             <a:endParaRPr lang="fr-FR"/>
           </a:p>
         </p:txBody>
@@ -23212,7 +23386,7 @@
 </p:sld>
 </file>
 
-<file path=ppt/slides/slide138.xml><?xml version="1.0" encoding="utf-8"?>
+<file path=ppt/slides/slide139.xml><?xml version="1.0" encoding="utf-8"?>
 <p:sld xmlns:a="http://schemas.openxmlformats.org/drawingml/2006/main" xmlns:r="http://schemas.openxmlformats.org/officeDocument/2006/relationships" xmlns:p="http://schemas.openxmlformats.org/presentationml/2006/main">
   <p:cSld>
     <p:spTree>
@@ -35636,15 +35810,7 @@
           <a:p>
             <a:r>
               <a:rPr lang="fr-FR" sz="2400" dirty="0" smtClean="0"/>
-              <a:t>Interdire les commentaires de </a:t>
-            </a:r>
-            <a:r>
-              <a:rPr lang="fr-FR" sz="2400" dirty="0" smtClean="0"/>
-              <a:t>plus </a:t>
-            </a:r>
-            <a:r>
-              <a:rPr lang="fr-FR" sz="2400" dirty="0" smtClean="0"/>
-              <a:t>de 500 </a:t>
+              <a:t>Interdire les commentaires de plus de 500 </a:t>
             </a:r>
             <a:r>
               <a:rPr lang="fr-FR" sz="2400" dirty="0" err="1" smtClean="0"/>
@@ -35666,21 +35832,13 @@
           <a:p>
             <a:r>
               <a:rPr lang="fr-FR" sz="2400" dirty="0" smtClean="0"/>
-              <a:t>Requérir </a:t>
-            </a:r>
+              <a:t>Requérir une note </a:t>
+            </a:r>
+          </a:p>
+          <a:p>
             <a:r>
               <a:rPr lang="fr-FR" sz="2400" dirty="0" smtClean="0"/>
-              <a:t>une note </a:t>
-            </a:r>
-          </a:p>
-          <a:p>
-            <a:r>
-              <a:rPr lang="fr-FR" sz="2400" dirty="0" smtClean="0"/>
-              <a:t>Requérir un nom </a:t>
-            </a:r>
-            <a:r>
-              <a:rPr lang="fr-FR" sz="2400" dirty="0" smtClean="0"/>
-              <a:t>d'utilisateur</a:t>
+              <a:t>Requérir un nom d'utilisateur</a:t>
             </a:r>
           </a:p>
           <a:p>
@@ -35862,19 +36020,15 @@
           <a:p>
             <a:r>
               <a:rPr lang="fr-FR" sz="2000" dirty="0" smtClean="0"/>
-              <a:t>Sert aussi à positionner des éléments ailleurs que là où le flux HTML les </a:t>
-            </a:r>
-            <a:r>
-              <a:rPr lang="fr-FR" sz="2000" smtClean="0"/>
-              <a:t>met.</a:t>
-            </a:r>
-          </a:p>
-          <a:p>
-            <a:endParaRPr lang="fr-FR" smtClean="0"/>
-          </a:p>
-          <a:p>
-            <a:r>
-              <a:rPr lang="fr-FR" smtClean="0"/>
+              <a:t>Sert aussi à positionner des éléments ailleurs que là où le flux HTML les met.</a:t>
+            </a:r>
+          </a:p>
+          <a:p>
+            <a:endParaRPr lang="fr-FR" dirty="0" smtClean="0"/>
+          </a:p>
+          <a:p>
+            <a:r>
+              <a:rPr lang="fr-FR" dirty="0" smtClean="0"/>
               <a:t>Démo</a:t>
             </a:r>
             <a:endParaRPr lang="fr-FR" dirty="0"/>
@@ -36215,21 +36369,21 @@
           <a:lstStyle/>
           <a:p>
             <a:r>
-              <a:rPr lang="fr-FR" smtClean="0"/>
+              <a:rPr lang="fr-FR" dirty="0" smtClean="0"/>
               <a:t>Librairie CSS pour nous faciliter le travail : de nombreuses classes CSS, </a:t>
             </a:r>
             <a:r>
-              <a:rPr lang="fr-FR" b="1" smtClean="0"/>
+              <a:rPr lang="fr-FR" b="1" dirty="0" smtClean="0"/>
               <a:t>Facile de créer du code qui s'affiche bien sur toutes tailles d'écran</a:t>
             </a:r>
           </a:p>
           <a:p>
             <a:r>
-              <a:rPr lang="fr-FR" smtClean="0"/>
+              <a:rPr lang="fr-FR" dirty="0" smtClean="0"/>
               <a:t>Tutorial: </a:t>
             </a:r>
             <a:r>
-              <a:rPr lang="fr-FR">
+              <a:rPr lang="fr-FR" dirty="0">
                 <a:hlinkClick r:id="rId2"/>
               </a:rPr>
               <a:t>https://www.w3schools.com/bootstrap/default.asp</a:t>
@@ -36459,28 +36613,41 @@
           <a:lstStyle/>
           <a:p>
             <a:r>
-              <a:rPr lang="fr-FR" smtClean="0"/>
+              <a:rPr lang="fr-FR" dirty="0" smtClean="0"/>
               <a:t>Changer la couleur de fond de notre site vers la couleur </a:t>
             </a:r>
             <a:r>
-              <a:rPr lang="fr-FR"/>
+              <a:rPr lang="fr-FR" dirty="0"/>
               <a:t>#</a:t>
             </a:r>
             <a:r>
-              <a:rPr lang="fr-FR" smtClean="0"/>
+              <a:rPr lang="fr-FR" dirty="0" smtClean="0"/>
               <a:t>F5F5F5</a:t>
             </a:r>
           </a:p>
           <a:p>
             <a:r>
-              <a:rPr lang="fr-FR" smtClean="0"/>
-              <a:t>Indice : propriété CSS background-color</a:t>
-            </a:r>
-          </a:p>
-          <a:p>
-            <a:r>
-              <a:rPr lang="fr-FR" smtClean="0"/>
-              <a:t>Pour appliquer un changement global sur tous les éléments, utiliser en css </a:t>
+              <a:rPr lang="fr-FR" dirty="0" smtClean="0"/>
+              <a:t>Indice : propriété CSS background-</a:t>
+            </a:r>
+            <a:r>
+              <a:rPr lang="fr-FR" dirty="0" err="1" smtClean="0"/>
+              <a:t>color</a:t>
+            </a:r>
+            <a:endParaRPr lang="fr-FR" dirty="0" smtClean="0"/>
+          </a:p>
+          <a:p>
+            <a:r>
+              <a:rPr lang="fr-FR" dirty="0" smtClean="0"/>
+              <a:t>Pour appliquer un changement global sur tous les éléments, utiliser en </a:t>
+            </a:r>
+            <a:r>
+              <a:rPr lang="fr-FR" dirty="0" err="1" smtClean="0"/>
+              <a:t>css</a:t>
+            </a:r>
+            <a:r>
+              <a:rPr lang="fr-FR" dirty="0" smtClean="0"/>
+              <a:t> </a:t>
             </a:r>
           </a:p>
           <a:p>
@@ -36488,7 +36655,7 @@
               <a:buNone/>
             </a:pPr>
             <a:r>
-              <a:rPr lang="fr-FR" smtClean="0"/>
+              <a:rPr lang="fr-FR" dirty="0" smtClean="0"/>
               <a:t>body</a:t>
             </a:r>
           </a:p>
@@ -36587,13 +36754,8 @@
             </a:r>
             <a:r>
               <a:rPr lang="fr-FR" dirty="0" smtClean="0"/>
-              <a:t> est </a:t>
-            </a:r>
-            <a:r>
-              <a:rPr lang="fr-FR" smtClean="0"/>
-              <a:t>un gros pavé dont on va se servir pour afficher le bénéfice principal et le nom de notre site.</a:t>
-            </a:r>
-            <a:endParaRPr lang="fr-FR" dirty="0" smtClean="0"/>
+              <a:t> est un gros pavé dont on va se servir pour afficher le bénéfice principal et le nom de notre site.</a:t>
+            </a:r>
           </a:p>
           <a:p>
             <a:endParaRPr lang="fr-FR" dirty="0"/>
@@ -36609,11 +36771,11 @@
             </a:r>
             <a:r>
               <a:rPr lang="fr-FR" dirty="0" smtClean="0"/>
-              <a:t> sur la page </a:t>
-            </a:r>
-            <a:r>
-              <a:rPr lang="fr-FR" smtClean="0"/>
-              <a:t>d'accueil . Utiliser &lt;h1&gt; à l'intérieur du jumbotron</a:t>
+              <a:t> sur la page d'accueil . Utiliser &lt;h1&gt; à l'intérieur du </a:t>
+            </a:r>
+            <a:r>
+              <a:rPr lang="fr-FR" dirty="0" err="1" smtClean="0"/>
+              <a:t>jumbotron</a:t>
             </a:r>
             <a:endParaRPr lang="fr-FR" dirty="0"/>
           </a:p>
@@ -36973,6 +37135,13 @@
   <p:clrMapOvr>
     <a:masterClrMapping/>
   </p:clrMapOvr>
+  <p:timing>
+    <p:tnLst>
+      <p:par>
+        <p:cTn id="1" dur="indefinite" restart="never" nodeType="tmRoot"/>
+      </p:par>
+    </p:tnLst>
+  </p:timing>
 </p:sld>
 </file>
 
@@ -37009,10 +37178,14 @@
           <a:lstStyle/>
           <a:p>
             <a:r>
-              <a:rPr lang="fr-FR" smtClean="0"/>
-              <a:t>Glyphicons </a:t>
-            </a:r>
-            <a:endParaRPr lang="fr-FR"/>
+              <a:rPr lang="fr-FR" dirty="0" err="1" smtClean="0"/>
+              <a:t>Glyphicons</a:t>
+            </a:r>
+            <a:r>
+              <a:rPr lang="fr-FR" dirty="0" smtClean="0"/>
+              <a:t> </a:t>
+            </a:r>
+            <a:endParaRPr lang="fr-FR" dirty="0"/>
           </a:p>
         </p:txBody>
       </p:sp>
@@ -37032,56 +37205,85 @@
           <a:lstStyle/>
           <a:p>
             <a:r>
-              <a:rPr lang="fr-FR" smtClean="0"/>
-              <a:t>Icones livrées nativement avec Bootstrap 3 ( mais pas Bootstrap 4! ),</a:t>
-            </a:r>
-          </a:p>
-          <a:p>
-            <a:r>
-              <a:rPr lang="fr-FR" smtClean="0"/>
-              <a:t>Pour les utiliser, utiliser la class glyphicon + l'icone que vous voulez</a:t>
-            </a:r>
-          </a:p>
-          <a:p>
-            <a:endParaRPr lang="fr-FR"/>
-          </a:p>
-          <a:p>
-            <a:endParaRPr lang="fr-FR" smtClean="0"/>
-          </a:p>
-          <a:p>
-            <a:r>
-              <a:rPr lang="fr-FR" smtClean="0"/>
+              <a:rPr lang="fr-FR" dirty="0" smtClean="0"/>
+              <a:t>Icones livrées nativement avec </a:t>
+            </a:r>
+            <a:r>
+              <a:rPr lang="fr-FR" dirty="0" err="1" smtClean="0"/>
+              <a:t>Bootstrap</a:t>
+            </a:r>
+            <a:r>
+              <a:rPr lang="fr-FR" dirty="0" smtClean="0"/>
+              <a:t> 3 ( mais pas </a:t>
+            </a:r>
+            <a:r>
+              <a:rPr lang="fr-FR" dirty="0" err="1" smtClean="0"/>
+              <a:t>Bootstrap</a:t>
+            </a:r>
+            <a:r>
+              <a:rPr lang="fr-FR" dirty="0" smtClean="0"/>
+              <a:t> 4! ),</a:t>
+            </a:r>
+          </a:p>
+          <a:p>
+            <a:r>
+              <a:rPr lang="fr-FR" dirty="0" smtClean="0"/>
+              <a:t>Pour les utiliser, utiliser la class </a:t>
+            </a:r>
+            <a:r>
+              <a:rPr lang="fr-FR" dirty="0" err="1" smtClean="0"/>
+              <a:t>glyphicon</a:t>
+            </a:r>
+            <a:r>
+              <a:rPr lang="fr-FR" dirty="0" smtClean="0"/>
+              <a:t> + l'icone que vous voulez</a:t>
+            </a:r>
+          </a:p>
+          <a:p>
+            <a:endParaRPr lang="fr-FR" dirty="0"/>
+          </a:p>
+          <a:p>
+            <a:endParaRPr lang="fr-FR" dirty="0" smtClean="0"/>
+          </a:p>
+          <a:p>
+            <a:r>
+              <a:rPr lang="fr-FR" dirty="0" smtClean="0"/>
               <a:t>Liste complète sur </a:t>
             </a:r>
             <a:r>
-              <a:rPr lang="fr-FR">
+              <a:rPr lang="fr-FR" dirty="0">
                 <a:hlinkClick r:id="rId2"/>
               </a:rPr>
               <a:t>https://glyphicons.bootstrapcheatsheets.com</a:t>
             </a:r>
             <a:r>
-              <a:rPr lang="fr-FR" smtClean="0">
+              <a:rPr lang="fr-FR" dirty="0" smtClean="0">
                 <a:hlinkClick r:id="rId2"/>
               </a:rPr>
               <a:t>/</a:t>
             </a:r>
-            <a:endParaRPr lang="fr-FR" smtClean="0"/>
-          </a:p>
-          <a:p>
-            <a:r>
-              <a:rPr lang="fr-FR" smtClean="0"/>
-              <a:t>Pour changer la couleur, changer la propriété CSS color</a:t>
-            </a:r>
-          </a:p>
-          <a:p>
-            <a:r>
-              <a:rPr lang="fr-FR" smtClean="0"/>
+            <a:endParaRPr lang="fr-FR" dirty="0" smtClean="0"/>
+          </a:p>
+          <a:p>
+            <a:r>
+              <a:rPr lang="fr-FR" dirty="0" smtClean="0"/>
+              <a:t>Pour changer la couleur, changer la propriété CSS </a:t>
+            </a:r>
+            <a:r>
+              <a:rPr lang="fr-FR" dirty="0" err="1" smtClean="0"/>
+              <a:t>color</a:t>
+            </a:r>
+            <a:endParaRPr lang="fr-FR" dirty="0" smtClean="0"/>
+          </a:p>
+          <a:p>
+            <a:r>
+              <a:rPr lang="fr-FR" dirty="0" smtClean="0"/>
               <a:t>Pour changer la taille, changer font-size</a:t>
             </a:r>
-            <a:endParaRPr lang="fr-FR"/>
-          </a:p>
-          <a:p>
-            <a:endParaRPr lang="fr-FR"/>
+            <a:endParaRPr lang="fr-FR" dirty="0"/>
+          </a:p>
+          <a:p>
+            <a:endParaRPr lang="fr-FR" dirty="0"/>
           </a:p>
         </p:txBody>
       </p:sp>
@@ -37754,32 +37956,100 @@
           <a:lstStyle/>
           <a:p>
             <a:r>
-              <a:rPr lang="fr-FR" b="1" smtClean="0"/>
+              <a:rPr lang="fr-FR" b="1" dirty="0" err="1" smtClean="0"/>
               <a:t>Bundling</a:t>
             </a:r>
             <a:r>
-              <a:rPr lang="fr-FR" smtClean="0"/>
-              <a:t> : Afin de limiter les allers et retours du client vers le serveur quand on charge les ressources CSS et Javascript, il est commun de grouper ensemble tous ces fichiers en un seul</a:t>
-            </a:r>
-          </a:p>
-          <a:p>
-            <a:r>
-              <a:rPr lang="fr-FR" b="1" smtClean="0"/>
+              <a:rPr lang="fr-FR" dirty="0" smtClean="0"/>
+              <a:t> : Afin de limiter les allers et retours du client vers le serveur quand on charge les ressources CSS et </a:t>
+            </a:r>
+            <a:r>
+              <a:rPr lang="fr-FR" dirty="0" err="1" smtClean="0"/>
+              <a:t>Javascript</a:t>
+            </a:r>
+            <a:r>
+              <a:rPr lang="fr-FR" dirty="0" smtClean="0"/>
+              <a:t>, il est commun de grouper ensemble tous ces fichiers en un seul</a:t>
+            </a:r>
+          </a:p>
+          <a:p>
+            <a:r>
+              <a:rPr lang="fr-FR" b="1" dirty="0" err="1" smtClean="0"/>
               <a:t>Minification</a:t>
             </a:r>
             <a:r>
-              <a:rPr lang="fr-FR" smtClean="0"/>
-              <a:t> : Supprimez tous les espaces et retours chariots non nécessaire pour diminuer la taille des fichiers CSS et javascript</a:t>
-            </a:r>
-          </a:p>
-          <a:p>
-            <a:r>
-              <a:rPr lang="fr-FR" smtClean="0"/>
-              <a:t>Supporté nativement par Asp.NET MVC ( fichier BundleConfig.cs)</a:t>
-            </a:r>
-          </a:p>
-          <a:p>
-            <a:endParaRPr lang="fr-FR"/>
+              <a:rPr lang="fr-FR" dirty="0" smtClean="0"/>
+              <a:t> : Supprimez tous les espaces et retours chariots non </a:t>
+            </a:r>
+            <a:r>
+              <a:rPr lang="fr-FR" dirty="0" smtClean="0"/>
+              <a:t>nécessaires </a:t>
+            </a:r>
+            <a:r>
+              <a:rPr lang="fr-FR" dirty="0" smtClean="0"/>
+              <a:t>pour diminuer la taille des fichiers CSS et </a:t>
+            </a:r>
+            <a:r>
+              <a:rPr lang="fr-FR" dirty="0" err="1" smtClean="0"/>
+              <a:t>javascript</a:t>
+            </a:r>
+            <a:endParaRPr lang="fr-FR" dirty="0" smtClean="0"/>
+          </a:p>
+          <a:p>
+            <a:r>
+              <a:rPr lang="fr-FR" dirty="0" smtClean="0"/>
+              <a:t>Supporté nativement par Asp.NET MVC ( fichier </a:t>
+            </a:r>
+            <a:r>
+              <a:rPr lang="fr-FR" dirty="0" err="1" smtClean="0"/>
+              <a:t>BundleConfig.cs</a:t>
+            </a:r>
+            <a:r>
+              <a:rPr lang="fr-FR" dirty="0" smtClean="0"/>
+              <a:t>)</a:t>
+            </a:r>
+          </a:p>
+          <a:p>
+            <a:r>
+              <a:rPr lang="fr-FR" dirty="0" smtClean="0"/>
+              <a:t>Pour activer le </a:t>
+            </a:r>
+            <a:r>
+              <a:rPr lang="fr-FR" dirty="0" err="1" smtClean="0"/>
+              <a:t>bundling</a:t>
+            </a:r>
+            <a:r>
+              <a:rPr lang="fr-FR" dirty="0" smtClean="0"/>
+              <a:t> et la </a:t>
+            </a:r>
+            <a:r>
+              <a:rPr lang="fr-FR" dirty="0" err="1" smtClean="0"/>
+              <a:t>minification</a:t>
+            </a:r>
+            <a:r>
+              <a:rPr lang="fr-FR" dirty="0" smtClean="0"/>
+              <a:t> mettre </a:t>
+            </a:r>
+            <a:r>
+              <a:rPr lang="fr-FR" b="1" dirty="0" err="1" smtClean="0"/>
+              <a:t>debug</a:t>
+            </a:r>
+            <a:r>
+              <a:rPr lang="fr-FR" b="1" dirty="0" smtClean="0"/>
+              <a:t>=false</a:t>
+            </a:r>
+            <a:r>
+              <a:rPr lang="fr-FR" dirty="0" smtClean="0"/>
+              <a:t> dans </a:t>
+            </a:r>
+            <a:r>
+              <a:rPr lang="fr-FR" dirty="0" err="1" smtClean="0"/>
+              <a:t>webconfig</a:t>
+            </a:r>
+            <a:endParaRPr lang="fr-FR" dirty="0" smtClean="0"/>
+          </a:p>
+          <a:p>
+            <a:endParaRPr lang="fr-FR" dirty="0"/>
           </a:p>
         </p:txBody>
       </p:sp>
@@ -37799,7 +38069,7 @@
         </p:blipFill>
         <p:spPr>
           <a:xfrm>
-            <a:off x="1464609" y="4812086"/>
+            <a:off x="6904710" y="670454"/>
             <a:ext cx="4762500" cy="981075"/>
           </a:xfrm>
           <a:prstGeom prst="rect">
@@ -37823,8 +38093,32 @@
         </p:blipFill>
         <p:spPr>
           <a:xfrm>
-            <a:off x="1464609" y="5891212"/>
+            <a:off x="8583040" y="2217737"/>
             <a:ext cx="2971800" cy="257175"/>
+          </a:xfrm>
+          <a:prstGeom prst="rect">
+            <a:avLst/>
+          </a:prstGeom>
+        </p:spPr>
+      </p:pic>
+      <p:pic>
+        <p:nvPicPr>
+          <p:cNvPr id="6" name="Image 5"/>
+          <p:cNvPicPr>
+            <a:picLocks noChangeAspect="1"/>
+          </p:cNvPicPr>
+          <p:nvPr/>
+        </p:nvPicPr>
+        <p:blipFill>
+          <a:blip r:embed="rId4"/>
+          <a:stretch>
+            <a:fillRect/>
+          </a:stretch>
+        </p:blipFill>
+        <p:spPr>
+          <a:xfrm>
+            <a:off x="1582241" y="5480237"/>
+            <a:ext cx="5676652" cy="1079126"/>
           </a:xfrm>
           <a:prstGeom prst="rect">
             <a:avLst/>
